--- a/Writeups/Poster/Poster.pptx
+++ b/Writeups/Poster/Poster.pptx
@@ -3083,10 +3083,22 @@
           <a:p>
             <a:pPr algn="ctr"/>
             <a:r>
+              <a:rPr lang="en-US" sz="7200" b="1" smtClean="0">
+                <a:latin typeface="Franklin Gothic Book" pitchFamily="34" charset="0"/>
+              </a:rPr>
+              <a:t>Battle </a:t>
+            </a:r>
+            <a:r>
+              <a:rPr lang="en-US" sz="7200" b="1" smtClean="0">
+                <a:latin typeface="Franklin Gothic Book" pitchFamily="34" charset="0"/>
+              </a:rPr>
+              <a:t>Royale </a:t>
+            </a:r>
+            <a:r>
               <a:rPr lang="en-US" sz="7200" b="1" dirty="0" smtClean="0">
                 <a:latin typeface="Franklin Gothic Book" pitchFamily="34" charset="0"/>
               </a:rPr>
-              <a:t>Battle Royal Exploration for Card Game ZSY</a:t>
+              <a:t>Exploration for Card Game ZSY</a:t>
             </a:r>
             <a:endParaRPr lang="en-US" sz="7200" b="1" dirty="0">
               <a:latin typeface="Franklin Gothic Book" pitchFamily="34" charset="0"/>
